--- a/Präsentation/SoftwarePraktikum.pptx
+++ b/Präsentation/SoftwarePraktikum.pptx
@@ -14,8 +14,7 @@
     <p:sldId id="262" r:id="rId8"/>
     <p:sldId id="263" r:id="rId9"/>
     <p:sldId id="258" r:id="rId10"/>
-    <p:sldId id="260" r:id="rId11"/>
-    <p:sldId id="265" r:id="rId12"/>
+    <p:sldId id="265" r:id="rId11"/>
   </p:sldIdLst>
   <p:sldSz cx="12192000" cy="6858000"/>
   <p:notesSz cx="6858000" cy="9144000"/>
@@ -844,9 +843,9 @@
           <a:p>
             <a:fld id="{BFAF5F97-6C00-4590-96FB-AE79539E57FE}" type="datetimeFigureOut">
               <a:rPr lang="de-DE" smtClean="0"/>
-              <a:t>21.12.2016</a:t>
+              <a:t>22.01.2017</a:t>
             </a:fld>
-            <a:endParaRPr lang="de-DE"/>
+            <a:endParaRPr lang="de-DE" dirty="0"/>
           </a:p>
         </p:txBody>
       </p:sp>
@@ -865,7 +864,7 @@
           <a:bodyPr/>
           <a:lstStyle/>
           <a:p>
-            <a:endParaRPr lang="de-DE"/>
+            <a:endParaRPr lang="de-DE" dirty="0"/>
           </a:p>
         </p:txBody>
       </p:sp>
@@ -888,7 +887,7 @@
               <a:rPr lang="de-DE" smtClean="0"/>
               <a:t>‹Nr.›</a:t>
             </a:fld>
-            <a:endParaRPr lang="de-DE"/>
+            <a:endParaRPr lang="de-DE" dirty="0"/>
           </a:p>
         </p:txBody>
       </p:sp>
@@ -1095,9 +1094,9 @@
           <a:p>
             <a:fld id="{BFAF5F97-6C00-4590-96FB-AE79539E57FE}" type="datetimeFigureOut">
               <a:rPr lang="de-DE" smtClean="0"/>
-              <a:t>21.12.2016</a:t>
+              <a:t>22.01.2017</a:t>
             </a:fld>
-            <a:endParaRPr lang="de-DE"/>
+            <a:endParaRPr lang="de-DE" dirty="0"/>
           </a:p>
         </p:txBody>
       </p:sp>
@@ -1116,7 +1115,7 @@
           <a:bodyPr/>
           <a:lstStyle/>
           <a:p>
-            <a:endParaRPr lang="de-DE"/>
+            <a:endParaRPr lang="de-DE" dirty="0"/>
           </a:p>
         </p:txBody>
       </p:sp>
@@ -1139,7 +1138,7 @@
               <a:rPr lang="de-DE" smtClean="0"/>
               <a:t>‹Nr.›</a:t>
             </a:fld>
-            <a:endParaRPr lang="de-DE"/>
+            <a:endParaRPr lang="de-DE" dirty="0"/>
           </a:p>
         </p:txBody>
       </p:sp>
@@ -1409,9 +1408,9 @@
           <a:p>
             <a:fld id="{BFAF5F97-6C00-4590-96FB-AE79539E57FE}" type="datetimeFigureOut">
               <a:rPr lang="de-DE" smtClean="0"/>
-              <a:t>21.12.2016</a:t>
+              <a:t>22.01.2017</a:t>
             </a:fld>
-            <a:endParaRPr lang="de-DE"/>
+            <a:endParaRPr lang="de-DE" dirty="0"/>
           </a:p>
         </p:txBody>
       </p:sp>
@@ -1430,7 +1429,7 @@
           <a:bodyPr/>
           <a:lstStyle/>
           <a:p>
-            <a:endParaRPr lang="de-DE"/>
+            <a:endParaRPr lang="de-DE" dirty="0"/>
           </a:p>
         </p:txBody>
       </p:sp>
@@ -1453,7 +1452,7 @@
               <a:rPr lang="de-DE" smtClean="0"/>
               <a:t>‹Nr.›</a:t>
             </a:fld>
-            <a:endParaRPr lang="de-DE"/>
+            <a:endParaRPr lang="de-DE" dirty="0"/>
           </a:p>
         </p:txBody>
       </p:sp>
@@ -1750,9 +1749,9 @@
           <a:p>
             <a:fld id="{BFAF5F97-6C00-4590-96FB-AE79539E57FE}" type="datetimeFigureOut">
               <a:rPr lang="de-DE" smtClean="0"/>
-              <a:t>21.12.2016</a:t>
+              <a:t>22.01.2017</a:t>
             </a:fld>
-            <a:endParaRPr lang="de-DE"/>
+            <a:endParaRPr lang="de-DE" dirty="0"/>
           </a:p>
         </p:txBody>
       </p:sp>
@@ -1771,7 +1770,7 @@
           <a:bodyPr/>
           <a:lstStyle/>
           <a:p>
-            <a:endParaRPr lang="de-DE"/>
+            <a:endParaRPr lang="de-DE" dirty="0"/>
           </a:p>
         </p:txBody>
       </p:sp>
@@ -1794,7 +1793,7 @@
               <a:rPr lang="de-DE" smtClean="0"/>
               <a:t>‹Nr.›</a:t>
             </a:fld>
-            <a:endParaRPr lang="de-DE"/>
+            <a:endParaRPr lang="de-DE" dirty="0"/>
           </a:p>
         </p:txBody>
       </p:sp>
@@ -2064,9 +2063,9 @@
           <a:p>
             <a:fld id="{BFAF5F97-6C00-4590-96FB-AE79539E57FE}" type="datetimeFigureOut">
               <a:rPr lang="de-DE" smtClean="0"/>
-              <a:t>21.12.2016</a:t>
+              <a:t>22.01.2017</a:t>
             </a:fld>
-            <a:endParaRPr lang="de-DE"/>
+            <a:endParaRPr lang="de-DE" dirty="0"/>
           </a:p>
         </p:txBody>
       </p:sp>
@@ -2085,7 +2084,7 @@
           <a:bodyPr/>
           <a:lstStyle/>
           <a:p>
-            <a:endParaRPr lang="de-DE"/>
+            <a:endParaRPr lang="de-DE" dirty="0"/>
           </a:p>
         </p:txBody>
       </p:sp>
@@ -2108,7 +2107,7 @@
               <a:rPr lang="de-DE" smtClean="0"/>
               <a:t>‹Nr.›</a:t>
             </a:fld>
-            <a:endParaRPr lang="de-DE"/>
+            <a:endParaRPr lang="de-DE" dirty="0"/>
           </a:p>
         </p:txBody>
       </p:sp>
@@ -2457,9 +2456,9 @@
           <a:p>
             <a:fld id="{BFAF5F97-6C00-4590-96FB-AE79539E57FE}" type="datetimeFigureOut">
               <a:rPr lang="de-DE" smtClean="0"/>
-              <a:t>21.12.2016</a:t>
+              <a:t>22.01.2017</a:t>
             </a:fld>
-            <a:endParaRPr lang="de-DE"/>
+            <a:endParaRPr lang="de-DE" dirty="0"/>
           </a:p>
         </p:txBody>
       </p:sp>
@@ -2478,7 +2477,7 @@
           <a:bodyPr/>
           <a:lstStyle/>
           <a:p>
-            <a:endParaRPr lang="de-DE"/>
+            <a:endParaRPr lang="de-DE" dirty="0"/>
           </a:p>
         </p:txBody>
       </p:sp>
@@ -2501,7 +2500,7 @@
               <a:rPr lang="de-DE" smtClean="0"/>
               <a:t>‹Nr.›</a:t>
             </a:fld>
-            <a:endParaRPr lang="de-DE"/>
+            <a:endParaRPr lang="de-DE" dirty="0"/>
           </a:p>
         </p:txBody>
       </p:sp>
@@ -2627,9 +2626,9 @@
           <a:p>
             <a:fld id="{BFAF5F97-6C00-4590-96FB-AE79539E57FE}" type="datetimeFigureOut">
               <a:rPr lang="de-DE" smtClean="0"/>
-              <a:t>21.12.2016</a:t>
+              <a:t>22.01.2017</a:t>
             </a:fld>
-            <a:endParaRPr lang="de-DE"/>
+            <a:endParaRPr lang="de-DE" dirty="0"/>
           </a:p>
         </p:txBody>
       </p:sp>
@@ -2648,7 +2647,7 @@
           <a:bodyPr/>
           <a:lstStyle/>
           <a:p>
-            <a:endParaRPr lang="de-DE"/>
+            <a:endParaRPr lang="de-DE" dirty="0"/>
           </a:p>
         </p:txBody>
       </p:sp>
@@ -2671,7 +2670,7 @@
               <a:rPr lang="de-DE" smtClean="0"/>
               <a:t>‹Nr.›</a:t>
             </a:fld>
-            <a:endParaRPr lang="de-DE"/>
+            <a:endParaRPr lang="de-DE" dirty="0"/>
           </a:p>
         </p:txBody>
       </p:sp>
@@ -2807,9 +2806,9 @@
           <a:p>
             <a:fld id="{BFAF5F97-6C00-4590-96FB-AE79539E57FE}" type="datetimeFigureOut">
               <a:rPr lang="de-DE" smtClean="0"/>
-              <a:t>21.12.2016</a:t>
+              <a:t>22.01.2017</a:t>
             </a:fld>
-            <a:endParaRPr lang="de-DE"/>
+            <a:endParaRPr lang="de-DE" dirty="0"/>
           </a:p>
         </p:txBody>
       </p:sp>
@@ -2828,7 +2827,7 @@
           <a:bodyPr/>
           <a:lstStyle/>
           <a:p>
-            <a:endParaRPr lang="de-DE"/>
+            <a:endParaRPr lang="de-DE" dirty="0"/>
           </a:p>
         </p:txBody>
       </p:sp>
@@ -2851,7 +2850,7 @@
               <a:rPr lang="de-DE" smtClean="0"/>
               <a:t>‹Nr.›</a:t>
             </a:fld>
-            <a:endParaRPr lang="de-DE"/>
+            <a:endParaRPr lang="de-DE" dirty="0"/>
           </a:p>
         </p:txBody>
       </p:sp>
@@ -2983,9 +2982,9 @@
           <a:p>
             <a:fld id="{BFAF5F97-6C00-4590-96FB-AE79539E57FE}" type="datetimeFigureOut">
               <a:rPr lang="de-DE" smtClean="0"/>
-              <a:t>21.12.2016</a:t>
+              <a:t>22.01.2017</a:t>
             </a:fld>
-            <a:endParaRPr lang="de-DE"/>
+            <a:endParaRPr lang="de-DE" dirty="0"/>
           </a:p>
         </p:txBody>
       </p:sp>
@@ -3004,7 +3003,7 @@
           <a:bodyPr/>
           <a:lstStyle/>
           <a:p>
-            <a:endParaRPr lang="de-DE"/>
+            <a:endParaRPr lang="de-DE" dirty="0"/>
           </a:p>
         </p:txBody>
       </p:sp>
@@ -3027,7 +3026,7 @@
               <a:rPr lang="de-DE" smtClean="0"/>
               <a:t>‹Nr.›</a:t>
             </a:fld>
-            <a:endParaRPr lang="de-DE"/>
+            <a:endParaRPr lang="de-DE" dirty="0"/>
           </a:p>
         </p:txBody>
       </p:sp>
@@ -3230,9 +3229,9 @@
           <a:p>
             <a:fld id="{BFAF5F97-6C00-4590-96FB-AE79539E57FE}" type="datetimeFigureOut">
               <a:rPr lang="de-DE" smtClean="0"/>
-              <a:t>21.12.2016</a:t>
+              <a:t>22.01.2017</a:t>
             </a:fld>
-            <a:endParaRPr lang="de-DE"/>
+            <a:endParaRPr lang="de-DE" dirty="0"/>
           </a:p>
         </p:txBody>
       </p:sp>
@@ -3251,7 +3250,7 @@
           <a:bodyPr/>
           <a:lstStyle/>
           <a:p>
-            <a:endParaRPr lang="de-DE"/>
+            <a:endParaRPr lang="de-DE" dirty="0"/>
           </a:p>
         </p:txBody>
       </p:sp>
@@ -3274,7 +3273,7 @@
               <a:rPr lang="de-DE" smtClean="0"/>
               <a:t>‹Nr.›</a:t>
             </a:fld>
-            <a:endParaRPr lang="de-DE"/>
+            <a:endParaRPr lang="de-DE" dirty="0"/>
           </a:p>
         </p:txBody>
       </p:sp>
@@ -3462,9 +3461,9 @@
           <a:p>
             <a:fld id="{BFAF5F97-6C00-4590-96FB-AE79539E57FE}" type="datetimeFigureOut">
               <a:rPr lang="de-DE" smtClean="0"/>
-              <a:t>21.12.2016</a:t>
+              <a:t>22.01.2017</a:t>
             </a:fld>
-            <a:endParaRPr lang="de-DE"/>
+            <a:endParaRPr lang="de-DE" dirty="0"/>
           </a:p>
         </p:txBody>
       </p:sp>
@@ -3483,7 +3482,7 @@
           <a:bodyPr/>
           <a:lstStyle/>
           <a:p>
-            <a:endParaRPr lang="de-DE"/>
+            <a:endParaRPr lang="de-DE" dirty="0"/>
           </a:p>
         </p:txBody>
       </p:sp>
@@ -3506,7 +3505,7 @@
               <a:rPr lang="de-DE" smtClean="0"/>
               <a:t>‹Nr.›</a:t>
             </a:fld>
-            <a:endParaRPr lang="de-DE"/>
+            <a:endParaRPr lang="de-DE" dirty="0"/>
           </a:p>
         </p:txBody>
       </p:sp>
@@ -3836,9 +3835,9 @@
           <a:p>
             <a:fld id="{BFAF5F97-6C00-4590-96FB-AE79539E57FE}" type="datetimeFigureOut">
               <a:rPr lang="de-DE" smtClean="0"/>
-              <a:t>21.12.2016</a:t>
+              <a:t>22.01.2017</a:t>
             </a:fld>
-            <a:endParaRPr lang="de-DE"/>
+            <a:endParaRPr lang="de-DE" dirty="0"/>
           </a:p>
         </p:txBody>
       </p:sp>
@@ -3857,7 +3856,7 @@
           <a:bodyPr/>
           <a:lstStyle/>
           <a:p>
-            <a:endParaRPr lang="de-DE"/>
+            <a:endParaRPr lang="de-DE" dirty="0"/>
           </a:p>
         </p:txBody>
       </p:sp>
@@ -3880,7 +3879,7 @@
               <a:rPr lang="de-DE" smtClean="0"/>
               <a:t>‹Nr.›</a:t>
             </a:fld>
-            <a:endParaRPr lang="de-DE"/>
+            <a:endParaRPr lang="de-DE" dirty="0"/>
           </a:p>
         </p:txBody>
       </p:sp>
@@ -3959,9 +3958,9 @@
           <a:p>
             <a:fld id="{BFAF5F97-6C00-4590-96FB-AE79539E57FE}" type="datetimeFigureOut">
               <a:rPr lang="de-DE" smtClean="0"/>
-              <a:t>21.12.2016</a:t>
+              <a:t>22.01.2017</a:t>
             </a:fld>
-            <a:endParaRPr lang="de-DE"/>
+            <a:endParaRPr lang="de-DE" dirty="0"/>
           </a:p>
         </p:txBody>
       </p:sp>
@@ -3980,7 +3979,7 @@
           <a:bodyPr/>
           <a:lstStyle/>
           <a:p>
-            <a:endParaRPr lang="de-DE"/>
+            <a:endParaRPr lang="de-DE" dirty="0"/>
           </a:p>
         </p:txBody>
       </p:sp>
@@ -4003,7 +4002,7 @@
               <a:rPr lang="de-DE" smtClean="0"/>
               <a:t>‹Nr.›</a:t>
             </a:fld>
-            <a:endParaRPr lang="de-DE"/>
+            <a:endParaRPr lang="de-DE" dirty="0"/>
           </a:p>
         </p:txBody>
       </p:sp>
@@ -4054,9 +4053,9 @@
           <a:p>
             <a:fld id="{BFAF5F97-6C00-4590-96FB-AE79539E57FE}" type="datetimeFigureOut">
               <a:rPr lang="de-DE" smtClean="0"/>
-              <a:t>21.12.2016</a:t>
+              <a:t>22.01.2017</a:t>
             </a:fld>
-            <a:endParaRPr lang="de-DE"/>
+            <a:endParaRPr lang="de-DE" dirty="0"/>
           </a:p>
         </p:txBody>
       </p:sp>
@@ -4075,7 +4074,7 @@
           <a:bodyPr/>
           <a:lstStyle/>
           <a:p>
-            <a:endParaRPr lang="de-DE"/>
+            <a:endParaRPr lang="de-DE" dirty="0"/>
           </a:p>
         </p:txBody>
       </p:sp>
@@ -4098,7 +4097,7 @@
               <a:rPr lang="de-DE" smtClean="0"/>
               <a:t>‹Nr.›</a:t>
             </a:fld>
-            <a:endParaRPr lang="de-DE"/>
+            <a:endParaRPr lang="de-DE" dirty="0"/>
           </a:p>
         </p:txBody>
       </p:sp>
@@ -4309,9 +4308,9 @@
           <a:p>
             <a:fld id="{BFAF5F97-6C00-4590-96FB-AE79539E57FE}" type="datetimeFigureOut">
               <a:rPr lang="de-DE" smtClean="0"/>
-              <a:t>21.12.2016</a:t>
+              <a:t>22.01.2017</a:t>
             </a:fld>
-            <a:endParaRPr lang="de-DE"/>
+            <a:endParaRPr lang="de-DE" dirty="0"/>
           </a:p>
         </p:txBody>
       </p:sp>
@@ -4330,7 +4329,7 @@
           <a:bodyPr/>
           <a:lstStyle/>
           <a:p>
-            <a:endParaRPr lang="de-DE"/>
+            <a:endParaRPr lang="de-DE" dirty="0"/>
           </a:p>
         </p:txBody>
       </p:sp>
@@ -4353,7 +4352,7 @@
               <a:rPr lang="de-DE" smtClean="0"/>
               <a:t>‹Nr.›</a:t>
             </a:fld>
-            <a:endParaRPr lang="de-DE"/>
+            <a:endParaRPr lang="de-DE" dirty="0"/>
           </a:p>
         </p:txBody>
       </p:sp>
@@ -4481,7 +4480,7 @@
           </a:lstStyle>
           <a:p>
             <a:r>
-              <a:rPr lang="de-DE"/>
+              <a:rPr lang="de-DE" dirty="0"/>
               <a:t>Bild durch Klicken auf Symbol hinzufügen</a:t>
             </a:r>
             <a:endParaRPr lang="en-US" dirty="0"/>
@@ -4572,9 +4571,9 @@
           <a:p>
             <a:fld id="{BFAF5F97-6C00-4590-96FB-AE79539E57FE}" type="datetimeFigureOut">
               <a:rPr lang="de-DE" smtClean="0"/>
-              <a:t>21.12.2016</a:t>
+              <a:t>22.01.2017</a:t>
             </a:fld>
-            <a:endParaRPr lang="de-DE"/>
+            <a:endParaRPr lang="de-DE" dirty="0"/>
           </a:p>
         </p:txBody>
       </p:sp>
@@ -4593,7 +4592,7 @@
           <a:bodyPr/>
           <a:lstStyle/>
           <a:p>
-            <a:endParaRPr lang="de-DE"/>
+            <a:endParaRPr lang="de-DE" dirty="0"/>
           </a:p>
         </p:txBody>
       </p:sp>
@@ -4616,7 +4615,7 @@
               <a:rPr lang="de-DE" smtClean="0"/>
               <a:t>‹Nr.›</a:t>
             </a:fld>
-            <a:endParaRPr lang="de-DE"/>
+            <a:endParaRPr lang="de-DE" dirty="0"/>
           </a:p>
         </p:txBody>
       </p:sp>
@@ -5315,9 +5314,9 @@
           <a:p>
             <a:fld id="{BFAF5F97-6C00-4590-96FB-AE79539E57FE}" type="datetimeFigureOut">
               <a:rPr lang="de-DE" smtClean="0"/>
-              <a:t>21.12.2016</a:t>
+              <a:t>22.01.2017</a:t>
             </a:fld>
-            <a:endParaRPr lang="de-DE"/>
+            <a:endParaRPr lang="de-DE" dirty="0"/>
           </a:p>
         </p:txBody>
       </p:sp>
@@ -5354,7 +5353,7 @@
             </a:lvl1pPr>
           </a:lstStyle>
           <a:p>
-            <a:endParaRPr lang="de-DE"/>
+            <a:endParaRPr lang="de-DE" dirty="0"/>
           </a:p>
         </p:txBody>
       </p:sp>
@@ -5393,7 +5392,7 @@
               <a:rPr lang="de-DE" smtClean="0"/>
               <a:t>‹Nr.›</a:t>
             </a:fld>
-            <a:endParaRPr lang="de-DE"/>
+            <a:endParaRPr lang="de-DE" dirty="0"/>
           </a:p>
         </p:txBody>
       </p:sp>
@@ -5880,15 +5879,7 @@
           <a:p>
             <a:r>
               <a:rPr lang="de-DE" sz="2400" dirty="0"/>
-              <a:t>Alternative </a:t>
-            </a:r>
-            <a:r>
-              <a:rPr lang="de-DE" sz="2400" dirty="0" err="1"/>
-              <a:t>DroneControl</a:t>
-            </a:r>
-            <a:r>
-              <a:rPr lang="de-DE" sz="2400" dirty="0"/>
-              <a:t> – Software Project</a:t>
+              <a:t>Alternative Drone Control – Software Project</a:t>
             </a:r>
           </a:p>
         </p:txBody>
@@ -5917,29 +5908,8 @@
           <a:p>
             <a:r>
               <a:rPr lang="de-DE" dirty="0"/>
-              <a:t>Sebastian von </a:t>
-            </a:r>
-            <a:r>
-              <a:rPr lang="de-DE" dirty="0" err="1"/>
-              <a:t>Dahlen</a:t>
-            </a:r>
-            <a:r>
-              <a:rPr lang="de-DE" dirty="0"/>
-              <a:t>, Andreas Ruppel, Dominik </a:t>
-            </a:r>
-            <a:r>
-              <a:rPr lang="de-DE" dirty="0" err="1"/>
-              <a:t>Cuber</a:t>
-            </a:r>
-            <a:r>
-              <a:rPr lang="de-DE" dirty="0"/>
-              <a:t> und Marcel </a:t>
-            </a:r>
-            <a:r>
-              <a:rPr lang="de-DE" dirty="0" err="1"/>
-              <a:t>Vossebein</a:t>
-            </a:r>
-            <a:endParaRPr lang="de-DE" dirty="0"/>
+              <a:t>Sebastian von Dahlen, Andreas Ruppel, Dominik Cuber und Marcel Vossebein</a:t>
+            </a:r>
           </a:p>
         </p:txBody>
       </p:sp>
@@ -5973,66 +5943,6 @@
           <a:chExt cx="0" cy="0"/>
         </a:xfrm>
       </p:grpSpPr>
-      <p:pic>
-        <p:nvPicPr>
-          <p:cNvPr id="4" name="Grafik 3"/>
-          <p:cNvPicPr>
-            <a:picLocks noChangeAspect="1"/>
-          </p:cNvPicPr>
-          <p:nvPr/>
-        </p:nvPicPr>
-        <p:blipFill>
-          <a:blip r:embed="rId2">
-            <a:extLst>
-              <a:ext uri="{28A0092B-C50C-407E-A947-70E740481C1C}">
-                <a14:useLocalDpi xmlns:a14="http://schemas.microsoft.com/office/drawing/2010/main" val="0"/>
-              </a:ext>
-            </a:extLst>
-          </a:blip>
-          <a:stretch>
-            <a:fillRect/>
-          </a:stretch>
-        </p:blipFill>
-        <p:spPr>
-          <a:xfrm>
-            <a:off x="362607" y="0"/>
-            <a:ext cx="11398469" cy="6856408"/>
-          </a:xfrm>
-          <a:prstGeom prst="rect">
-            <a:avLst/>
-          </a:prstGeom>
-        </p:spPr>
-      </p:pic>
-    </p:spTree>
-    <p:extLst>
-      <p:ext uri="{BB962C8B-B14F-4D97-AF65-F5344CB8AC3E}">
-        <p14:creationId xmlns:p14="http://schemas.microsoft.com/office/powerpoint/2010/main" val="2256615567"/>
-      </p:ext>
-    </p:extLst>
-  </p:cSld>
-  <p:clrMapOvr>
-    <a:masterClrMapping/>
-  </p:clrMapOvr>
-</p:sld>
-</file>
-
-<file path=ppt/slides/slide11.xml><?xml version="1.0" encoding="utf-8"?>
-<p:sld xmlns:a="http://schemas.openxmlformats.org/drawingml/2006/main" xmlns:r="http://schemas.openxmlformats.org/officeDocument/2006/relationships" xmlns:p="http://schemas.openxmlformats.org/presentationml/2006/main">
-  <p:cSld>
-    <p:spTree>
-      <p:nvGrpSpPr>
-        <p:cNvPr id="1" name=""/>
-        <p:cNvGrpSpPr/>
-        <p:nvPr/>
-      </p:nvGrpSpPr>
-      <p:grpSpPr>
-        <a:xfrm>
-          <a:off x="0" y="0"/>
-          <a:ext cx="0" cy="0"/>
-          <a:chOff x="0" y="0"/>
-          <a:chExt cx="0" cy="0"/>
-        </a:xfrm>
-      </p:grpSpPr>
       <p:sp>
         <p:nvSpPr>
           <p:cNvPr id="2" name="Titel 1"/>
@@ -6050,7 +5960,7 @@
           <a:p>
             <a:r>
               <a:rPr lang="de-DE" dirty="0"/>
-              <a:t>Was noch zu tun ist</a:t>
+              <a:t>Zukunftsaussicht</a:t>
             </a:r>
           </a:p>
         </p:txBody>
@@ -6071,12 +5981,8 @@
           <a:lstStyle/>
           <a:p>
             <a:r>
-              <a:rPr lang="de-DE" dirty="0" err="1"/>
-              <a:t>Wlan</a:t>
-            </a:r>
-            <a:r>
               <a:rPr lang="de-DE" dirty="0"/>
-              <a:t> Connection ausführlich testen</a:t>
+              <a:t>Wlan Connection ausführlich testen</a:t>
             </a:r>
           </a:p>
           <a:p>
@@ -6093,12 +5999,8 @@
           </a:p>
           <a:p>
             <a:r>
-              <a:rPr lang="de-DE" dirty="0" err="1"/>
-              <a:t>Befehlsmanger</a:t>
-            </a:r>
-            <a:r>
               <a:rPr lang="de-DE" dirty="0"/>
-              <a:t> erstellen</a:t>
+              <a:t>Befehls Manger erstellen</a:t>
             </a:r>
           </a:p>
           <a:p>
@@ -6202,12 +6104,18 @@
             </a:r>
           </a:p>
           <a:p>
-            <a:pPr marL="0" indent="0">
+            <a:pPr marL="457200" lvl="1" indent="0">
               <a:buNone/>
             </a:pPr>
             <a:endParaRPr lang="de-DE" dirty="0"/>
           </a:p>
           <a:p>
+            <a:pPr marL="0" indent="0">
+              <a:buNone/>
+            </a:pPr>
+            <a:endParaRPr lang="de-DE" dirty="0"/>
+          </a:p>
+          <a:p>
             <a:endParaRPr lang="de-DE" dirty="0"/>
           </a:p>
         </p:txBody>
@@ -6249,18 +6157,14 @@
           <a:p>
             <a:pPr lvl="1"/>
             <a:r>
-              <a:rPr lang="de-DE" dirty="0" err="1"/>
-              <a:t>Wlan</a:t>
-            </a:r>
-            <a:r>
               <a:rPr lang="de-DE" dirty="0"/>
-              <a:t> Connection</a:t>
+              <a:t>WLAN Connection</a:t>
             </a:r>
           </a:p>
           <a:p>
             <a:r>
               <a:rPr lang="de-DE" dirty="0"/>
-              <a:t>Was noch zu tun ist:</a:t>
+              <a:t>Zukunftsaussicht:</a:t>
             </a:r>
           </a:p>
           <a:p>
@@ -6338,20 +6242,8 @@
           <a:lstStyle/>
           <a:p>
             <a:r>
-              <a:rPr lang="de-DE" sz="2800" dirty="0" err="1"/>
-              <a:t>Myo</a:t>
-            </a:r>
-            <a:r>
               <a:rPr lang="de-DE" sz="2800" dirty="0"/>
-              <a:t> Armband Steuerung für die Drohne </a:t>
-            </a:r>
-            <a:r>
-              <a:rPr lang="de-DE" sz="2800" dirty="0" err="1"/>
-              <a:t>Parrot</a:t>
-            </a:r>
-            <a:r>
-              <a:rPr lang="de-DE" sz="2800" dirty="0"/>
-              <a:t> 2.0</a:t>
+              <a:t>Myom Armband Steuerung für die Drohne Pierrot 2.0</a:t>
             </a:r>
           </a:p>
           <a:p>
@@ -6364,26 +6256,14 @@
             <a:pPr lvl="1"/>
             <a:r>
               <a:rPr lang="de-DE" dirty="0"/>
-              <a:t>Bluetooth Connection zum </a:t>
-            </a:r>
-            <a:r>
-              <a:rPr lang="de-DE" dirty="0" err="1"/>
-              <a:t>Myo</a:t>
-            </a:r>
+              <a:t>Bluetooth Connection zum Myo Armband</a:t>
+            </a:r>
+          </a:p>
+          <a:p>
+            <a:pPr lvl="1"/>
             <a:r>
               <a:rPr lang="de-DE" dirty="0"/>
-              <a:t> Armband</a:t>
-            </a:r>
-          </a:p>
-          <a:p>
-            <a:pPr lvl="1"/>
-            <a:r>
-              <a:rPr lang="de-DE" dirty="0" err="1"/>
-              <a:t>Wlan</a:t>
-            </a:r>
-            <a:r>
-              <a:rPr lang="de-DE" dirty="0"/>
-              <a:t> Connection zur Drohne</a:t>
+              <a:t>Wlan Connection zur Drohne</a:t>
             </a:r>
           </a:p>
           <a:p>
@@ -6478,12 +6358,8 @@
           </a:p>
           <a:p>
             <a:r>
-              <a:rPr lang="de-DE" dirty="0" err="1"/>
-              <a:t>Myo</a:t>
-            </a:r>
-            <a:r>
               <a:rPr lang="de-DE" dirty="0"/>
-              <a:t> API</a:t>
+              <a:t>Myo API</a:t>
             </a:r>
           </a:p>
           <a:p>
@@ -6590,13 +6466,8 @@
           <a:p>
             <a:r>
               <a:rPr lang="de-DE" dirty="0"/>
-              <a:t>QML oder </a:t>
-            </a:r>
-            <a:r>
-              <a:rPr lang="de-DE" dirty="0" err="1"/>
-              <a:t>Widget</a:t>
-            </a:r>
-            <a:endParaRPr lang="de-DE" dirty="0"/>
+              <a:t>QML oder Widget</a:t>
+            </a:r>
           </a:p>
           <a:p>
             <a:r>
@@ -6890,13 +6761,8 @@
           <a:p>
             <a:r>
               <a:rPr lang="de-DE" dirty="0"/>
-              <a:t>Aktueller Stand - </a:t>
-            </a:r>
-            <a:r>
-              <a:rPr lang="de-DE" dirty="0" err="1"/>
-              <a:t>Wlan</a:t>
-            </a:r>
-            <a:endParaRPr lang="de-DE" dirty="0"/>
+              <a:t>Aktueller Stand - Wlan</a:t>
+            </a:r>
           </a:p>
         </p:txBody>
       </p:sp>
@@ -6916,12 +6782,8 @@
           <a:lstStyle/>
           <a:p>
             <a:r>
-              <a:rPr lang="de-DE" dirty="0" err="1"/>
-              <a:t>Wlan</a:t>
-            </a:r>
-            <a:r>
               <a:rPr lang="de-DE" dirty="0"/>
-              <a:t>  Connections vorhanden</a:t>
+              <a:t>Wlan  Connections vorhanden</a:t>
             </a:r>
           </a:p>
           <a:p>
@@ -6979,13 +6841,8 @@
           <a:p>
             <a:r>
               <a:rPr lang="de-DE" dirty="0"/>
-              <a:t>Aktueller Stand - </a:t>
-            </a:r>
-            <a:r>
-              <a:rPr lang="de-DE" dirty="0" err="1"/>
-              <a:t>Wlan</a:t>
-            </a:r>
-            <a:endParaRPr lang="de-DE" dirty="0"/>
+              <a:t>Aktueller Stand - Wlan</a:t>
+            </a:r>
           </a:p>
         </p:txBody>
       </p:sp>
@@ -7011,12 +6868,8 @@
           </a:p>
           <a:p>
             <a:r>
-              <a:rPr lang="de-DE" dirty="0" err="1"/>
-              <a:t>Myo</a:t>
-            </a:r>
-            <a:r>
               <a:rPr lang="de-DE" dirty="0"/>
-              <a:t> API ist nicht für Linux geeignet</a:t>
+              <a:t>Myo API ist nicht für Linux geeignet</a:t>
             </a:r>
           </a:p>
           <a:p>
@@ -7028,15 +6881,7 @@
           <a:p>
             <a:r>
               <a:rPr lang="de-DE" dirty="0"/>
-              <a:t>Mit </a:t>
-            </a:r>
-            <a:r>
-              <a:rPr lang="de-DE" dirty="0" err="1"/>
-              <a:t>Myo</a:t>
-            </a:r>
-            <a:r>
-              <a:rPr lang="de-DE" dirty="0"/>
-              <a:t> Connect Verbindung stabil</a:t>
+              <a:t>Mit Myo Connect Verbindung stabil</a:t>
             </a:r>
           </a:p>
           <a:p>
@@ -7060,7 +6905,7 @@
 <file path=ppt/theme/theme1.xml><?xml version="1.0" encoding="utf-8"?>
 <a:theme xmlns:a="http://schemas.openxmlformats.org/drawingml/2006/main" name="Facette">
   <a:themeElements>
-    <a:clrScheme name="Facette">
+    <a:clrScheme name="Benutzerdefiniert 2">
       <a:dk1>
         <a:sysClr val="windowText" lastClr="000000"/>
       </a:dk1>
@@ -7074,10 +6919,10 @@
         <a:srgbClr val="EBEBEB"/>
       </a:lt2>
       <a:accent1>
-        <a:srgbClr val="90C226"/>
+        <a:srgbClr val="005768"/>
       </a:accent1>
       <a:accent2>
-        <a:srgbClr val="54A021"/>
+        <a:srgbClr val="00B8DE"/>
       </a:accent2>
       <a:accent3>
         <a:srgbClr val="E6B91E"/>
@@ -7092,10 +6937,10 @@
         <a:srgbClr val="918655"/>
       </a:accent6>
       <a:hlink>
-        <a:srgbClr val="99CA3C"/>
+        <a:srgbClr val="005768"/>
       </a:hlink>
       <a:folHlink>
-        <a:srgbClr val="B9D181"/>
+        <a:srgbClr val="ABF1FF"/>
       </a:folHlink>
     </a:clrScheme>
     <a:fontScheme name="Facette">
